--- a/Presentation_Final_V2.pptx
+++ b/Presentation_Final_V2.pptx
@@ -826,6 +826,289 @@
           <a:bodyPr/>
           <a:lstStyle/>
           <a:p>
+            <a:r>
+              <a:rPr lang="en-US" dirty="0"/>
+              <a:t>Ensemble methods like GBM can improve on accuracy over single models, since they combine outputs from multiple models. GBM’s may be advantageous over models like logistic regression because they do not assume linearity and are robust to correlated features and feature interactions. </a:t>
+            </a:r>
+          </a:p>
+          <a:p>
+            <a:endParaRPr lang="en-US" dirty="0"/>
+          </a:p>
+          <a:p>
+            <a:r>
+              <a:rPr lang="en-US" b="0" i="0" u="none" strike="noStrike" dirty="0" err="1">
+                <a:solidFill>
+                  <a:srgbClr val="9AA4E7"/>
+                </a:solidFill>
+                <a:effectLst/>
+                <a:highlight>
+                  <a:srgbClr val="111213"/>
+                </a:highlight>
+                <a:latin typeface="IBM Plex Sans" panose="020B0503050203000203" pitchFamily="34" charset="0"/>
+                <a:hlinkClick r:id="rId3"/>
+              </a:rPr>
+              <a:t>XGBoost</a:t>
+            </a:r>
+            <a:r>
+              <a:rPr lang="en-US" b="0" i="0" u="none" strike="noStrike" dirty="0">
+                <a:solidFill>
+                  <a:srgbClr val="9AA4E7"/>
+                </a:solidFill>
+                <a:effectLst/>
+                <a:highlight>
+                  <a:srgbClr val="111213"/>
+                </a:highlight>
+                <a:latin typeface="IBM Plex Sans" panose="020B0503050203000203" pitchFamily="34" charset="0"/>
+                <a:hlinkClick r:id="rId3"/>
+              </a:rPr>
+              <a:t> </a:t>
+            </a:r>
+            <a:r>
+              <a:rPr lang="en-US" b="0" i="0" dirty="0">
+                <a:solidFill>
+                  <a:srgbClr val="BABEC3"/>
+                </a:solidFill>
+                <a:effectLst/>
+                <a:highlight>
+                  <a:srgbClr val="111213"/>
+                </a:highlight>
+                <a:latin typeface="IBM Plex Sans" panose="020B0503050203000203" pitchFamily="34" charset="0"/>
+              </a:rPr>
+              <a:t>(</a:t>
+            </a:r>
+            <a:r>
+              <a:rPr lang="en-US" b="0" i="0" dirty="0" err="1">
+                <a:solidFill>
+                  <a:srgbClr val="BABEC3"/>
+                </a:solidFill>
+                <a:effectLst/>
+                <a:highlight>
+                  <a:srgbClr val="111213"/>
+                </a:highlight>
+                <a:latin typeface="IBM Plex Sans" panose="020B0503050203000203" pitchFamily="34" charset="0"/>
+              </a:rPr>
+              <a:t>eXtreme</a:t>
+            </a:r>
+            <a:r>
+              <a:rPr lang="en-US" b="0" i="0" dirty="0">
+                <a:solidFill>
+                  <a:srgbClr val="BABEC3"/>
+                </a:solidFill>
+                <a:effectLst/>
+                <a:highlight>
+                  <a:srgbClr val="111213"/>
+                </a:highlight>
+                <a:latin typeface="IBM Plex Sans" panose="020B0503050203000203" pitchFamily="34" charset="0"/>
+              </a:rPr>
+              <a:t> Gradient Boosting) is a machine learning algorithm that focuses on computation speed and model performance. It builds trees in level by level and in parallel.</a:t>
+            </a:r>
+          </a:p>
+          <a:p>
+            <a:endParaRPr lang="en-US" dirty="0"/>
+          </a:p>
+          <a:p>
+            <a:r>
+              <a:rPr lang="en-US" b="0" i="0" dirty="0">
+                <a:solidFill>
+                  <a:srgbClr val="BABEC3"/>
+                </a:solidFill>
+                <a:effectLst/>
+                <a:highlight>
+                  <a:srgbClr val="111213"/>
+                </a:highlight>
+                <a:latin typeface="IBM Plex Sans" panose="020B0503050203000203" pitchFamily="34" charset="0"/>
+              </a:rPr>
+              <a:t> </a:t>
+            </a:r>
+            <a:r>
+              <a:rPr lang="en-US" b="0" i="0" dirty="0" err="1">
+                <a:solidFill>
+                  <a:srgbClr val="BABEC3"/>
+                </a:solidFill>
+                <a:effectLst/>
+                <a:highlight>
+                  <a:srgbClr val="111213"/>
+                </a:highlight>
+                <a:latin typeface="IBM Plex Sans" panose="020B0503050203000203" pitchFamily="34" charset="0"/>
+              </a:rPr>
+              <a:t>LightGBM</a:t>
+            </a:r>
+            <a:r>
+              <a:rPr lang="en-US" b="0" i="0" dirty="0">
+                <a:solidFill>
+                  <a:srgbClr val="BABEC3"/>
+                </a:solidFill>
+                <a:effectLst/>
+                <a:highlight>
+                  <a:srgbClr val="111213"/>
+                </a:highlight>
+                <a:latin typeface="IBM Plex Sans" panose="020B0503050203000203" pitchFamily="34" charset="0"/>
+              </a:rPr>
+              <a:t> carries out leaf-wise (vertical) growth that results in more loss reduction and in turn higher accuracy while being faster. But this may also result in overfitting on the training data which could be handled using the max-depth parameter that specifies where the splitting would occur. Hence, </a:t>
+            </a:r>
+            <a:r>
+              <a:rPr lang="en-US" b="0" i="0" dirty="0" err="1">
+                <a:solidFill>
+                  <a:srgbClr val="BABEC3"/>
+                </a:solidFill>
+                <a:effectLst/>
+                <a:highlight>
+                  <a:srgbClr val="111213"/>
+                </a:highlight>
+                <a:latin typeface="IBM Plex Sans" panose="020B0503050203000203" pitchFamily="34" charset="0"/>
+              </a:rPr>
+              <a:t>XGBoost</a:t>
+            </a:r>
+            <a:r>
+              <a:rPr lang="en-US" b="0" i="0" dirty="0">
+                <a:solidFill>
+                  <a:srgbClr val="BABEC3"/>
+                </a:solidFill>
+                <a:effectLst/>
+                <a:highlight>
+                  <a:srgbClr val="111213"/>
+                </a:highlight>
+                <a:latin typeface="IBM Plex Sans" panose="020B0503050203000203" pitchFamily="34" charset="0"/>
+              </a:rPr>
+              <a:t> is capable of building more robust models than </a:t>
+            </a:r>
+            <a:r>
+              <a:rPr lang="en-US" b="0" i="0" dirty="0" err="1">
+                <a:solidFill>
+                  <a:srgbClr val="BABEC3"/>
+                </a:solidFill>
+                <a:effectLst/>
+                <a:highlight>
+                  <a:srgbClr val="111213"/>
+                </a:highlight>
+                <a:latin typeface="IBM Plex Sans" panose="020B0503050203000203" pitchFamily="34" charset="0"/>
+              </a:rPr>
+              <a:t>LightGBM</a:t>
+            </a:r>
+            <a:r>
+              <a:rPr lang="en-US" b="0" i="0" dirty="0">
+                <a:solidFill>
+                  <a:srgbClr val="BABEC3"/>
+                </a:solidFill>
+                <a:effectLst/>
+                <a:highlight>
+                  <a:srgbClr val="111213"/>
+                </a:highlight>
+                <a:latin typeface="IBM Plex Sans" panose="020B0503050203000203" pitchFamily="34" charset="0"/>
+              </a:rPr>
+              <a:t>.</a:t>
+            </a:r>
+          </a:p>
+          <a:p>
+            <a:endParaRPr lang="en-US" b="0" i="0" dirty="0">
+              <a:solidFill>
+                <a:srgbClr val="BABEC3"/>
+              </a:solidFill>
+              <a:effectLst/>
+              <a:highlight>
+                <a:srgbClr val="111213"/>
+              </a:highlight>
+              <a:latin typeface="IBM Plex Sans" panose="020B0503050203000203" pitchFamily="34" charset="0"/>
+            </a:endParaRPr>
+          </a:p>
+          <a:p>
+            <a:endParaRPr lang="en-US" dirty="0"/>
+          </a:p>
+          <a:p>
+            <a:r>
+              <a:rPr lang="en-US" b="0" i="0" dirty="0">
+                <a:solidFill>
+                  <a:srgbClr val="BABEC3"/>
+                </a:solidFill>
+                <a:effectLst/>
+                <a:highlight>
+                  <a:srgbClr val="111213"/>
+                </a:highlight>
+                <a:latin typeface="IBM Plex Sans" panose="020F0502020204030204" pitchFamily="34" charset="0"/>
+              </a:rPr>
+              <a:t> </a:t>
+            </a:r>
+            <a:r>
+              <a:rPr lang="en-US" b="0" i="0" dirty="0" err="1">
+                <a:solidFill>
+                  <a:srgbClr val="BABEC3"/>
+                </a:solidFill>
+                <a:effectLst/>
+                <a:highlight>
+                  <a:srgbClr val="111213"/>
+                </a:highlight>
+                <a:latin typeface="IBM Plex Sans" panose="020F0502020204030204" pitchFamily="34" charset="0"/>
+              </a:rPr>
+              <a:t>CatBoost</a:t>
+            </a:r>
+            <a:r>
+              <a:rPr lang="en-US" b="0" i="0" dirty="0">
+                <a:solidFill>
+                  <a:srgbClr val="BABEC3"/>
+                </a:solidFill>
+                <a:effectLst/>
+                <a:highlight>
+                  <a:srgbClr val="111213"/>
+                </a:highlight>
+                <a:latin typeface="IBM Plex Sans" panose="020F0502020204030204" pitchFamily="34" charset="0"/>
+              </a:rPr>
+              <a:t> builds symmetric (balanced) trees, unlike </a:t>
+            </a:r>
+            <a:r>
+              <a:rPr lang="en-US" b="0" i="0" dirty="0" err="1">
+                <a:solidFill>
+                  <a:srgbClr val="BABEC3"/>
+                </a:solidFill>
+                <a:effectLst/>
+                <a:highlight>
+                  <a:srgbClr val="111213"/>
+                </a:highlight>
+                <a:latin typeface="IBM Plex Sans" panose="020F0502020204030204" pitchFamily="34" charset="0"/>
+              </a:rPr>
+              <a:t>XGBoost</a:t>
+            </a:r>
+            <a:r>
+              <a:rPr lang="en-US" b="0" i="0" dirty="0">
+                <a:solidFill>
+                  <a:srgbClr val="BABEC3"/>
+                </a:solidFill>
+                <a:effectLst/>
+                <a:highlight>
+                  <a:srgbClr val="111213"/>
+                </a:highlight>
+                <a:latin typeface="IBM Plex Sans" panose="020F0502020204030204" pitchFamily="34" charset="0"/>
+              </a:rPr>
+              <a:t> and </a:t>
+            </a:r>
+            <a:r>
+              <a:rPr lang="en-US" b="0" i="0" dirty="0" err="1">
+                <a:solidFill>
+                  <a:srgbClr val="BABEC3"/>
+                </a:solidFill>
+                <a:effectLst/>
+                <a:highlight>
+                  <a:srgbClr val="111213"/>
+                </a:highlight>
+                <a:latin typeface="IBM Plex Sans" panose="020F0502020204030204" pitchFamily="34" charset="0"/>
+              </a:rPr>
+              <a:t>LightGBM</a:t>
+            </a:r>
+            <a:r>
+              <a:rPr lang="en-US" b="0" i="0" dirty="0">
+                <a:solidFill>
+                  <a:srgbClr val="BABEC3"/>
+                </a:solidFill>
+                <a:effectLst/>
+                <a:highlight>
+                  <a:srgbClr val="111213"/>
+                </a:highlight>
+                <a:latin typeface="IBM Plex Sans" panose="020F0502020204030204" pitchFamily="34" charset="0"/>
+              </a:rPr>
+              <a:t>. In every step, leaves from the previous tree are split using the same condition. The feature-split pair that accounts for the lowest loss is selected and used for all the level’s nodes. This balanced tree architecture aids in efficient CPU implementation, decreases prediction time, makes swift model appliers, and controls overfitting as the structure serves as regularization. </a:t>
+            </a:r>
+            <a:endParaRPr lang="en-US" dirty="0"/>
+          </a:p>
+          <a:p>
             <a:endParaRPr lang="en-US" dirty="0"/>
           </a:p>
         </p:txBody>
@@ -926,7 +1209,31 @@
               <a:rPr lang="en-US" dirty="0">
                 <a:cs typeface="Calibri"/>
               </a:rPr>
-              <a:t> tends to perform better than other methods is that is uses Shapley Additive Values( SHAP) for feature selection.</a:t>
+              <a:t> tends to perform better than other methods like </a:t>
+            </a:r>
+            <a:r>
+              <a:rPr lang="en-US" dirty="0" err="1">
+                <a:cs typeface="Calibri"/>
+              </a:rPr>
+              <a:t>lgbm</a:t>
+            </a:r>
+            <a:r>
+              <a:rPr lang="en-US" dirty="0">
+                <a:cs typeface="Calibri"/>
+              </a:rPr>
+              <a:t> and </a:t>
+            </a:r>
+            <a:r>
+              <a:rPr lang="en-US" dirty="0" err="1">
+                <a:cs typeface="Calibri"/>
+              </a:rPr>
+              <a:t>xgboost</a:t>
+            </a:r>
+            <a:r>
+              <a:rPr lang="en-US" dirty="0">
+                <a:cs typeface="Calibri"/>
+              </a:rPr>
+              <a:t> is that is uses Shapley Additive Values( SHAP) for feature selection.</a:t>
             </a:r>
           </a:p>
           <a:p>
@@ -968,9 +1275,6 @@
               <a:rPr lang="en-US" dirty="0"/>
               <a:t>) to break a prediction value into contributions from each feature. It calculates feature importance by measuring the impact of a feature on a single prediction value compared to the baseline prediction. </a:t>
             </a:r>
-            <a:endParaRPr lang="en-US" dirty="0">
-              <a:cs typeface="Calibri"/>
-            </a:endParaRPr>
           </a:p>
         </p:txBody>
       </p:sp>
@@ -11612,6 +11916,14 @@
               <a:rPr lang="en-US" dirty="0"/>
               <a:t>k nearest neighbors</a:t>
             </a:r>
+            <a:br>
+              <a:rPr lang="en-US" dirty="0"/>
+            </a:br>
+            <a:r>
+              <a:rPr lang="en-US" sz="1800" dirty="0"/>
+              <a:t>initial model</a:t>
+            </a:r>
+            <a:endParaRPr lang="en-US" dirty="0"/>
           </a:p>
         </p:txBody>
       </p:sp>
@@ -11652,10 +11964,10 @@
       </p:sp>
       <p:pic>
         <p:nvPicPr>
-          <p:cNvPr id="9" name="Picture 8">
+          <p:cNvPr id="11" name="Picture 10">
             <a:extLst>
               <a:ext uri="{FF2B5EF4-FFF2-40B4-BE49-F238E27FC236}">
-                <a16:creationId xmlns:a16="http://schemas.microsoft.com/office/drawing/2014/main" id="{D4C92C58-2119-0222-C873-5CC2869EC777}"/>
+                <a16:creationId xmlns:a16="http://schemas.microsoft.com/office/drawing/2014/main" id="{1592C08E-21BC-3194-80F3-A1A9F9FBCB78}"/>
               </a:ext>
             </a:extLst>
           </p:cNvPr>
@@ -11672,42 +11984,7 @@
         </p:blipFill>
         <p:spPr>
           <a:xfrm>
-            <a:off x="8062165" y="624254"/>
-            <a:ext cx="3388155" cy="2546292"/>
-          </a:xfrm>
-          <a:prstGeom prst="rect">
-            <a:avLst/>
-          </a:prstGeom>
-          <a:ln w="57150">
-            <a:solidFill>
-              <a:srgbClr val="00B050"/>
-            </a:solidFill>
-          </a:ln>
-        </p:spPr>
-      </p:pic>
-      <p:pic>
-        <p:nvPicPr>
-          <p:cNvPr id="11" name="Picture 10">
-            <a:extLst>
-              <a:ext uri="{FF2B5EF4-FFF2-40B4-BE49-F238E27FC236}">
-                <a16:creationId xmlns:a16="http://schemas.microsoft.com/office/drawing/2014/main" id="{1592C08E-21BC-3194-80F3-A1A9F9FBCB78}"/>
-              </a:ext>
-            </a:extLst>
-          </p:cNvPr>
-          <p:cNvPicPr>
-            <a:picLocks noChangeAspect="1"/>
-          </p:cNvPicPr>
-          <p:nvPr/>
-        </p:nvPicPr>
-        <p:blipFill>
-          <a:blip r:embed="rId4"/>
-          <a:stretch>
-            <a:fillRect/>
-          </a:stretch>
-        </p:blipFill>
-        <p:spPr>
-          <a:xfrm>
-            <a:off x="8062165" y="3397903"/>
+            <a:off x="8062165" y="2497789"/>
             <a:ext cx="3445537" cy="2688841"/>
           </a:xfrm>
           <a:prstGeom prst="rect">
@@ -11735,14 +12012,14 @@
           <p:nvPr>
             <p:extLst>
               <p:ext uri="{D42A27DB-BD31-4B8C-83A1-F6EECF244321}">
-                <p14:modId xmlns:p14="http://schemas.microsoft.com/office/powerpoint/2010/main" val="523825177"/>
+                <p14:modId xmlns:p14="http://schemas.microsoft.com/office/powerpoint/2010/main" val="300789635"/>
               </p:ext>
             </p:extLst>
           </p:nvPr>
         </p:nvGraphicFramePr>
         <p:xfrm>
-          <a:off x="552227" y="2815402"/>
-          <a:ext cx="2855316" cy="3138234"/>
+          <a:off x="556880" y="2422565"/>
+          <a:ext cx="2855316" cy="3159243"/>
         </p:xfrm>
         <a:graphic>
           <a:graphicData uri="http://schemas.openxmlformats.org/drawingml/2006/table">
@@ -11785,7 +12062,10 @@
                     <a:bodyPr/>
                     <a:lstStyle/>
                     <a:p>
-                      <a:endParaRPr lang="en-US" sz="1400" dirty="0"/>
+                      <a:r>
+                        <a:rPr lang="en-US" sz="1400" dirty="0"/>
+                        <a:t>Near Earth Asteroids</a:t>
+                      </a:r>
                     </a:p>
                   </a:txBody>
                   <a:tcPr/>
@@ -11905,7 +12185,7 @@
                           <a:ea typeface="+mn-ea"/>
                           <a:cs typeface="+mn-cs"/>
                         </a:rPr>
-                        <a:t>F1 Score for Class 0</a:t>
+                        <a:t>F1 Score</a:t>
                       </a:r>
                       <a:endParaRPr lang="en-US" sz="1400" dirty="0"/>
                     </a:p>
@@ -11927,7 +12207,7 @@
                           <a:ea typeface="+mn-ea"/>
                           <a:cs typeface="+mn-cs"/>
                         </a:rPr>
-                        <a:t>0.97 </a:t>
+                        <a:t>0.54 </a:t>
                       </a:r>
                       <a:endParaRPr lang="en-US" sz="1400" dirty="0"/>
                     </a:p>
@@ -11936,11 +12216,11 @@
                 </a:tc>
                 <a:extLst>
                   <a:ext uri="{0D108BD9-81ED-4DB2-BD59-A6C34878D82A}">
-                    <a16:rowId xmlns:a16="http://schemas.microsoft.com/office/drawing/2014/main" val="874609654"/>
+                    <a16:rowId xmlns:a16="http://schemas.microsoft.com/office/drawing/2014/main" val="3086676724"/>
                   </a:ext>
                 </a:extLst>
               </a:tr>
-              <a:tr h="646107">
+              <a:tr h="369204">
                 <a:tc>
                   <a:txBody>
                     <a:bodyPr/>
@@ -11956,7 +12236,7 @@
                           <a:ea typeface="+mn-ea"/>
                           <a:cs typeface="+mn-cs"/>
                         </a:rPr>
-                        <a:t>F1 Score for Class 1</a:t>
+                        <a:t>RMSE</a:t>
                       </a:r>
                       <a:endParaRPr lang="en-US" sz="1400" dirty="0"/>
                     </a:p>
@@ -11978,57 +12258,6 @@
                           <a:ea typeface="+mn-ea"/>
                           <a:cs typeface="+mn-cs"/>
                         </a:rPr>
-                        <a:t>0.54 </a:t>
-                      </a:r>
-                      <a:endParaRPr lang="en-US" sz="1400" dirty="0"/>
-                    </a:p>
-                  </a:txBody>
-                  <a:tcPr/>
-                </a:tc>
-                <a:extLst>
-                  <a:ext uri="{0D108BD9-81ED-4DB2-BD59-A6C34878D82A}">
-                    <a16:rowId xmlns:a16="http://schemas.microsoft.com/office/drawing/2014/main" val="3086676724"/>
-                  </a:ext>
-                </a:extLst>
-              </a:tr>
-              <a:tr h="369204">
-                <a:tc>
-                  <a:txBody>
-                    <a:bodyPr/>
-                    <a:lstStyle/>
-                    <a:p>
-                      <a:r>
-                        <a:rPr lang="en-US" sz="1400" kern="1200" dirty="0">
-                          <a:solidFill>
-                            <a:schemeClr val="dk1"/>
-                          </a:solidFill>
-                          <a:effectLst/>
-                          <a:latin typeface="+mn-lt"/>
-                          <a:ea typeface="+mn-ea"/>
-                          <a:cs typeface="+mn-cs"/>
-                        </a:rPr>
-                        <a:t>RMSE</a:t>
-                      </a:r>
-                      <a:endParaRPr lang="en-US" sz="1400" dirty="0"/>
-                    </a:p>
-                  </a:txBody>
-                  <a:tcPr/>
-                </a:tc>
-                <a:tc>
-                  <a:txBody>
-                    <a:bodyPr/>
-                    <a:lstStyle/>
-                    <a:p>
-                      <a:r>
-                        <a:rPr lang="en-US" sz="1400" kern="1200" dirty="0">
-                          <a:solidFill>
-                            <a:schemeClr val="dk1"/>
-                          </a:solidFill>
-                          <a:effectLst/>
-                          <a:latin typeface="+mn-lt"/>
-                          <a:ea typeface="+mn-ea"/>
-                          <a:cs typeface="+mn-cs"/>
-                        </a:rPr>
                         <a:t>0.2299 </a:t>
                       </a:r>
                       <a:endParaRPr lang="en-US" sz="1400" dirty="0"/>
@@ -12048,7 +12277,10 @@
                     <a:bodyPr/>
                     <a:lstStyle/>
                     <a:p>
-                      <a:endParaRPr lang="en-US" sz="1400" dirty="0"/>
+                      <a:r>
+                        <a:rPr lang="en-US" sz="1400" dirty="0"/>
+                        <a:t>Metric</a:t>
+                      </a:r>
                     </a:p>
                   </a:txBody>
                   <a:tcPr/>
@@ -12058,7 +12290,10 @@
                     <a:bodyPr/>
                     <a:lstStyle/>
                     <a:p>
-                      <a:endParaRPr lang="en-US" sz="1400" dirty="0"/>
+                      <a:r>
+                        <a:rPr lang="en-US" sz="1400" dirty="0"/>
+                        <a:t>Euclidean distance</a:t>
+                      </a:r>
                     </a:p>
                   </a:txBody>
                   <a:tcPr/>
@@ -12066,6 +12301,39 @@
                 <a:extLst>
                   <a:ext uri="{0D108BD9-81ED-4DB2-BD59-A6C34878D82A}">
                     <a16:rowId xmlns:a16="http://schemas.microsoft.com/office/drawing/2014/main" val="3572095927"/>
+                  </a:ext>
+                </a:extLst>
+              </a:tr>
+              <a:tr h="369204">
+                <a:tc>
+                  <a:txBody>
+                    <a:bodyPr/>
+                    <a:lstStyle/>
+                    <a:p>
+                      <a:r>
+                        <a:rPr lang="en-US" sz="1400" dirty="0"/>
+                        <a:t>N Neighbors</a:t>
+                      </a:r>
+                    </a:p>
+                  </a:txBody>
+                  <a:tcPr/>
+                </a:tc>
+                <a:tc>
+                  <a:txBody>
+                    <a:bodyPr/>
+                    <a:lstStyle/>
+                    <a:p>
+                      <a:r>
+                        <a:rPr lang="en-US" sz="1400" dirty="0"/>
+                        <a:t>5</a:t>
+                      </a:r>
+                    </a:p>
+                  </a:txBody>
+                  <a:tcPr/>
+                </a:tc>
+                <a:extLst>
+                  <a:ext uri="{0D108BD9-81ED-4DB2-BD59-A6C34878D82A}">
+                    <a16:rowId xmlns:a16="http://schemas.microsoft.com/office/drawing/2014/main" val="2899177370"/>
                   </a:ext>
                 </a:extLst>
               </a:tr>
@@ -12158,7 +12426,7 @@
           <p:nvPr/>
         </p:nvPicPr>
         <p:blipFill>
-          <a:blip r:embed="rId5"/>
+          <a:blip r:embed="rId4"/>
           <a:stretch>
             <a:fillRect/>
           </a:stretch>
@@ -12250,17 +12518,6 @@
                 <a:cs typeface="Biome"/>
               </a:rPr>
               <a:t>Full features &amp; grid search</a:t>
-            </a:r>
-            <a:br>
-              <a:rPr lang="en-US" dirty="0">
-                <a:cs typeface="Biome"/>
-              </a:rPr>
-            </a:br>
-            <a:r>
-              <a:rPr lang="en-US" dirty="0">
-                <a:cs typeface="Biome"/>
-              </a:rPr>
-              <a:t>updated (please review)</a:t>
             </a:r>
             <a:endParaRPr lang="en-US" dirty="0"/>
           </a:p>
@@ -12832,17 +13089,6 @@
                 <a:cs typeface="Biome"/>
               </a:rPr>
               <a:t>pca</a:t>
-            </a:r>
-            <a:br>
-              <a:rPr lang="en-US" dirty="0">
-                <a:cs typeface="Biome"/>
-              </a:rPr>
-            </a:br>
-            <a:r>
-              <a:rPr lang="en-US" dirty="0">
-                <a:cs typeface="Biome"/>
-              </a:rPr>
-              <a:t>updated (please review)</a:t>
             </a:r>
             <a:endParaRPr lang="en-US" dirty="0"/>
           </a:p>
@@ -14704,8 +14950,8 @@
         </p:nvSpPr>
         <p:spPr>
           <a:xfrm>
-            <a:off x="841716" y="3078480"/>
-            <a:ext cx="3108193" cy="3047997"/>
+            <a:off x="310610" y="2960256"/>
+            <a:ext cx="4044414" cy="3047997"/>
           </a:xfrm>
         </p:spPr>
         <p:txBody>
@@ -14713,8 +14959,22 @@
           <a:lstStyle/>
           <a:p>
             <a:r>
-              <a:rPr lang="en-US" dirty="0"/>
-              <a:t>Based on accuracy, F1 score, and runtime as a measure of efficiency, our conclusion is that XXX is the best model for predicting potentially hazardous asteroids.</a:t>
+              <a:rPr lang="en-US" sz="1600" dirty="0"/>
+              <a:t>Based on accuracy, F1 score, and runtime as a measure of efficiency, our conclusion is that GBM, specifically </a:t>
+            </a:r>
+            <a:r>
+              <a:rPr lang="en-US" sz="1600" dirty="0" err="1"/>
+              <a:t>CatBoost</a:t>
+            </a:r>
+            <a:r>
+              <a:rPr lang="en-US" sz="1600" dirty="0"/>
+              <a:t>, is the best model for predicting potentially hazardous asteroids. </a:t>
+            </a:r>
+          </a:p>
+          <a:p>
+            <a:r>
+              <a:rPr lang="en-US" sz="1600" dirty="0"/>
+              <a:t>It has very high accuracy on our test set as well as F1 score ~1, indicating that it has near perfect precision and recall. This also indicates that our dataset contains highly predictive features for PHA classification.</a:t>
             </a:r>
           </a:p>
         </p:txBody>
@@ -16084,39 +16344,15 @@
           <a:p>
             <a:r>
               <a:rPr lang="en-US" dirty="0"/>
-              <a:t>GBMs appear to offer the best performance and F1 score, but this comes at the cost of runtime, which was drastically larger for this model.</a:t>
+              <a:t>GBMs appear to offer the best performance and F1 score, but this comes at the cost of runtime, which was drastically larger for this model. Fifteen minutes for &lt;10k records could really add up in real world applications.</a:t>
             </a:r>
           </a:p>
           <a:p>
+            <a:pPr marL="0" indent="0">
+              <a:buNone/>
+            </a:pPr>
             <a:endParaRPr lang="en-US" dirty="0"/>
           </a:p>
-        </p:txBody>
-      </p:sp>
-      <p:sp>
-        <p:nvSpPr>
-          <p:cNvPr id="5" name="Content Placeholder 4">
-            <a:extLst>
-              <a:ext uri="{FF2B5EF4-FFF2-40B4-BE49-F238E27FC236}">
-                <a16:creationId xmlns:a16="http://schemas.microsoft.com/office/drawing/2014/main" id="{A33D1544-95D3-8A05-6E1B-C08C307C55D4}"/>
-              </a:ext>
-            </a:extLst>
-          </p:cNvPr>
-          <p:cNvSpPr>
-            <a:spLocks noGrp="1"/>
-          </p:cNvSpPr>
-          <p:nvPr>
-            <p:ph sz="quarter" idx="37"/>
-          </p:nvPr>
-        </p:nvSpPr>
-        <p:spPr>
-          <a:xfrm>
-            <a:off x="8392160" y="2465388"/>
-            <a:ext cx="2856865" cy="3427412"/>
-          </a:xfrm>
-        </p:spPr>
-        <p:txBody>
-          <a:bodyPr/>
-          <a:lstStyle/>
           <a:p>
             <a:endParaRPr lang="en-US" dirty="0"/>
           </a:p>
@@ -16247,28 +16483,28 @@
               <a:buChar char="•"/>
             </a:pPr>
             <a:r>
-              <a:rPr lang="en-US">
+              <a:rPr lang="en-US" dirty="0">
                 <a:ea typeface="+mn-lt"/>
                 <a:cs typeface="+mn-lt"/>
               </a:rPr>
               <a:t>Hastie, T., </a:t>
             </a:r>
             <a:r>
-              <a:rPr lang="en-US" err="1">
+              <a:rPr lang="en-US" dirty="0" err="1">
                 <a:ea typeface="+mn-lt"/>
                 <a:cs typeface="+mn-lt"/>
               </a:rPr>
               <a:t>Tibshirani</a:t>
             </a:r>
             <a:r>
-              <a:rPr lang="en-US">
+              <a:rPr lang="en-US" dirty="0">
                 <a:ea typeface="+mn-lt"/>
                 <a:cs typeface="+mn-lt"/>
               </a:rPr>
               <a:t>, R., &amp; Friedman, J. (2017). </a:t>
             </a:r>
             <a:r>
-              <a:rPr lang="en-US" i="1">
+              <a:rPr lang="en-US" i="1" dirty="0">
                 <a:ea typeface="+mn-lt"/>
                 <a:cs typeface="+mn-lt"/>
               </a:rPr>
@@ -16279,19 +16515,8 @@
                 <a:ea typeface="+mn-lt"/>
                 <a:cs typeface="+mn-lt"/>
               </a:rPr>
-              <a:t> </a:t>
+              <a:t> (2nd ed.). Springer. https://doi.org/10.1007/b94608</a:t>
             </a:r>
-            <a:r>
-              <a:rPr lang="en-US">
-                <a:ea typeface="+mn-lt"/>
-                <a:cs typeface="+mn-lt"/>
-              </a:rPr>
-              <a:t>(2nd ed.). Springer. https://doi.org/10.1007/b94608</a:t>
-            </a:r>
-            <a:endParaRPr lang="en-US" dirty="0">
-              <a:ea typeface="+mn-lt"/>
-              <a:cs typeface="+mn-lt"/>
-            </a:endParaRPr>
           </a:p>
           <a:p>
             <a:pPr marL="285750" indent="-285750">
@@ -23404,26 +23629,6 @@
 </file>
 
 <file path=customXml/item2.xml><?xml version="1.0" encoding="utf-8"?>
-<p:properties xmlns:p="http://schemas.microsoft.com/office/2006/metadata/properties" xmlns:xsi="http://www.w3.org/2001/XMLSchema-instance" xmlns:pc="http://schemas.microsoft.com/office/infopath/2007/PartnerControls">
-  <documentManagement>
-    <_ip_UnifiedCompliancePolicyUIAction xmlns="http://schemas.microsoft.com/sharepoint/v3" xsi:nil="true"/>
-    <Image xmlns="71af3243-3dd4-4a8d-8c0d-dd76da1f02a5">
-      <Url xsi:nil="true"/>
-      <Description xsi:nil="true"/>
-    </Image>
-    <Status xmlns="71af3243-3dd4-4a8d-8c0d-dd76da1f02a5">Not started</Status>
-    <Background xmlns="71af3243-3dd4-4a8d-8c0d-dd76da1f02a5">false</Background>
-    <_ip_UnifiedCompliancePolicyProperties xmlns="http://schemas.microsoft.com/sharepoint/v3" xsi:nil="true"/>
-    <ImageTagsTaxHTField xmlns="71af3243-3dd4-4a8d-8c0d-dd76da1f02a5">
-      <Terms xmlns="http://schemas.microsoft.com/office/infopath/2007/PartnerControls"/>
-    </ImageTagsTaxHTField>
-    <TaxCatchAll xmlns="230e9df3-be65-4c73-a93b-d1236ebd677e" xsi:nil="true"/>
-    <MediaServiceKeyPoints xmlns="71af3243-3dd4-4a8d-8c0d-dd76da1f02a5" xsi:nil="true"/>
-  </documentManagement>
-</p:properties>
-</file>
-
-<file path=customXml/item3.xml><?xml version="1.0" encoding="utf-8"?>
 <ct:contentTypeSchema xmlns:ct="http://schemas.microsoft.com/office/2006/metadata/contentType" xmlns:ma="http://schemas.microsoft.com/office/2006/metadata/properties/metaAttributes" ct:_="" ma:_="" ma:contentTypeName="Document" ma:contentTypeID="0x01010079F111ED35F8CC479449609E8A0923A6" ma:contentTypeVersion="28" ma:contentTypeDescription="Create a new document." ma:contentTypeScope="" ma:versionID="60f5a4f2d2b0abadcf532d48ebf9cb71">
   <xsd:schema xmlns:xsd="http://www.w3.org/2001/XMLSchema" xmlns:xs="http://www.w3.org/2001/XMLSchema" xmlns:p="http://schemas.microsoft.com/office/2006/metadata/properties" xmlns:ns1="http://schemas.microsoft.com/sharepoint/v3" xmlns:ns2="71af3243-3dd4-4a8d-8c0d-dd76da1f02a5" xmlns:ns3="16c05727-aa75-4e4a-9b5f-8a80a1165891" xmlns:ns4="230e9df3-be65-4c73-a93b-d1236ebd677e" targetNamespace="http://schemas.microsoft.com/office/2006/metadata/properties" ma:root="true" ma:fieldsID="7dd78129e6a1811f84807ad11c651531" ns1:_="" ns2:_="" ns3:_="" ns4:_="">
     <xsd:import namespace="http://schemas.microsoft.com/sharepoint/v3"/>
@@ -23735,6 +23940,26 @@
 </ct:contentTypeSchema>
 </file>
 
+<file path=customXml/item3.xml><?xml version="1.0" encoding="utf-8"?>
+<p:properties xmlns:p="http://schemas.microsoft.com/office/2006/metadata/properties" xmlns:xsi="http://www.w3.org/2001/XMLSchema-instance" xmlns:pc="http://schemas.microsoft.com/office/infopath/2007/PartnerControls">
+  <documentManagement>
+    <_ip_UnifiedCompliancePolicyUIAction xmlns="http://schemas.microsoft.com/sharepoint/v3" xsi:nil="true"/>
+    <Image xmlns="71af3243-3dd4-4a8d-8c0d-dd76da1f02a5">
+      <Url xsi:nil="true"/>
+      <Description xsi:nil="true"/>
+    </Image>
+    <Status xmlns="71af3243-3dd4-4a8d-8c0d-dd76da1f02a5">Not started</Status>
+    <Background xmlns="71af3243-3dd4-4a8d-8c0d-dd76da1f02a5">false</Background>
+    <_ip_UnifiedCompliancePolicyProperties xmlns="http://schemas.microsoft.com/sharepoint/v3" xsi:nil="true"/>
+    <ImageTagsTaxHTField xmlns="71af3243-3dd4-4a8d-8c0d-dd76da1f02a5">
+      <Terms xmlns="http://schemas.microsoft.com/office/infopath/2007/PartnerControls"/>
+    </ImageTagsTaxHTField>
+    <TaxCatchAll xmlns="230e9df3-be65-4c73-a93b-d1236ebd677e" xsi:nil="true"/>
+    <MediaServiceKeyPoints xmlns="71af3243-3dd4-4a8d-8c0d-dd76da1f02a5" xsi:nil="true"/>
+  </documentManagement>
+</p:properties>
+</file>
+
 <file path=customXml/itemProps1.xml><?xml version="1.0" encoding="utf-8"?>
 <ds:datastoreItem xmlns:ds="http://schemas.openxmlformats.org/officeDocument/2006/customXml" ds:itemID="{44137456-21FC-4AE2-8A94-BF06CAF2EB9B}">
   <ds:schemaRefs>
@@ -23744,25 +23969,6 @@
 </file>
 
 <file path=customXml/itemProps2.xml><?xml version="1.0" encoding="utf-8"?>
-<ds:datastoreItem xmlns:ds="http://schemas.openxmlformats.org/officeDocument/2006/customXml" ds:itemID="{E305301E-11B3-4B9D-A588-21F3C9809371}">
-  <ds:schemaRefs>
-    <ds:schemaRef ds:uri="http://schemas.microsoft.com/office/2006/documentManagement/types"/>
-    <ds:schemaRef ds:uri="http://schemas.microsoft.com/office/infopath/2007/PartnerControls"/>
-    <ds:schemaRef ds:uri="http://purl.org/dc/elements/1.1/"/>
-    <ds:schemaRef ds:uri="http://schemas.microsoft.com/office/2006/metadata/properties"/>
-    <ds:schemaRef ds:uri="http://schemas.microsoft.com/sharepoint/v3"/>
-    <ds:schemaRef ds:uri="230e9df3-be65-4c73-a93b-d1236ebd677e"/>
-    <ds:schemaRef ds:uri="http://purl.org/dc/terms/"/>
-    <ds:schemaRef ds:uri="http://schemas.openxmlformats.org/package/2006/metadata/core-properties"/>
-    <ds:schemaRef ds:uri="16c05727-aa75-4e4a-9b5f-8a80a1165891"/>
-    <ds:schemaRef ds:uri="71af3243-3dd4-4a8d-8c0d-dd76da1f02a5"/>
-    <ds:schemaRef ds:uri="http://www.w3.org/XML/1998/namespace"/>
-    <ds:schemaRef ds:uri="http://purl.org/dc/dcmitype/"/>
-  </ds:schemaRefs>
-</ds:datastoreItem>
-</file>
-
-<file path=customXml/itemProps3.xml><?xml version="1.0" encoding="utf-8"?>
 <ds:datastoreItem xmlns:ds="http://schemas.openxmlformats.org/officeDocument/2006/customXml" ds:itemID="{C77B561B-3A65-4A22-9691-EB838E7F9B87}">
   <ds:schemaRefs>
     <ds:schemaRef ds:uri="http://schemas.microsoft.com/office/2006/metadata/contentType"/>
@@ -23783,6 +23989,25 @@
 </ds:datastoreItem>
 </file>
 
+<file path=customXml/itemProps3.xml><?xml version="1.0" encoding="utf-8"?>
+<ds:datastoreItem xmlns:ds="http://schemas.openxmlformats.org/officeDocument/2006/customXml" ds:itemID="{E305301E-11B3-4B9D-A588-21F3C9809371}">
+  <ds:schemaRefs>
+    <ds:schemaRef ds:uri="http://schemas.microsoft.com/office/2006/documentManagement/types"/>
+    <ds:schemaRef ds:uri="http://schemas.microsoft.com/office/infopath/2007/PartnerControls"/>
+    <ds:schemaRef ds:uri="http://purl.org/dc/elements/1.1/"/>
+    <ds:schemaRef ds:uri="http://schemas.microsoft.com/office/2006/metadata/properties"/>
+    <ds:schemaRef ds:uri="http://schemas.microsoft.com/sharepoint/v3"/>
+    <ds:schemaRef ds:uri="230e9df3-be65-4c73-a93b-d1236ebd677e"/>
+    <ds:schemaRef ds:uri="http://purl.org/dc/terms/"/>
+    <ds:schemaRef ds:uri="http://schemas.openxmlformats.org/package/2006/metadata/core-properties"/>
+    <ds:schemaRef ds:uri="16c05727-aa75-4e4a-9b5f-8a80a1165891"/>
+    <ds:schemaRef ds:uri="71af3243-3dd4-4a8d-8c0d-dd76da1f02a5"/>
+    <ds:schemaRef ds:uri="http://www.w3.org/XML/1998/namespace"/>
+    <ds:schemaRef ds:uri="http://purl.org/dc/dcmitype/"/>
+  </ds:schemaRefs>
+</ds:datastoreItem>
+</file>
+
 <file path=docMetadata/LabelInfo.xml><?xml version="1.0" encoding="utf-8"?>
 <clbl:labelList xmlns:clbl="http://schemas.microsoft.com/office/2020/mipLabelMetadata"/>
 </file>